--- a/SVM for App Review Analysis.pptx
+++ b/SVM for App Review Analysis.pptx
@@ -206,7 +206,7 @@
           <a:p>
             <a:fld id="{A9A94EC1-E6F6-40FA-B933-50342BD5AB4B}" type="datetimeFigureOut">
               <a:rPr lang="en-US" smtClean="0"/>
-              <a:t>11/28/2023</a:t>
+              <a:t>11/30/2023</a:t>
             </a:fld>
             <a:endParaRPr lang="en-US"/>
           </a:p>
@@ -640,6 +640,42 @@
               <a:t>SVC – support vector classification</a:t>
             </a:r>
           </a:p>
+          <a:p>
+            <a:endParaRPr lang="en-US" dirty="0"/>
+          </a:p>
+          <a:p>
+            <a:r>
+              <a:rPr lang="en-US" b="0" i="0" dirty="0">
+                <a:solidFill>
+                  <a:srgbClr val="040C28"/>
+                </a:solidFill>
+                <a:effectLst/>
+                <a:latin typeface="Google Sans"/>
+              </a:rPr>
+              <a:t>TF_IDF: a statistical measure that evaluates how relevant a word is to a document in a collection of documents</a:t>
+            </a:r>
+            <a:r>
+              <a:rPr lang="en-US" b="0" i="0" dirty="0">
+                <a:solidFill>
+                  <a:srgbClr val="202124"/>
+                </a:solidFill>
+                <a:effectLst/>
+                <a:latin typeface="Google Sans"/>
+              </a:rPr>
+              <a:t>. This is done by multiplying two metrics: how many times a word appears in a document, and the inverse document frequency of the word across a set of documents, </a:t>
+            </a:r>
+            <a:r>
+              <a:rPr lang="en-US" b="0" i="0" dirty="0">
+                <a:solidFill>
+                  <a:srgbClr val="273239"/>
+                </a:solidFill>
+                <a:effectLst/>
+                <a:latin typeface="Nunito" panose="020F0502020204030204" pitchFamily="2" charset="0"/>
+              </a:rPr>
+              <a:t>how relevant a word in a series or corpus is to a text</a:t>
+            </a:r>
+            <a:endParaRPr lang="en-US" dirty="0"/>
+          </a:p>
         </p:txBody>
       </p:sp>
       <p:sp>
@@ -1331,7 +1367,7 @@
           <a:p>
             <a:fld id="{97BFF81C-1FCB-4DBA-8044-F1A0FCFD45A6}" type="datetime1">
               <a:rPr lang="en-US" smtClean="0"/>
-              <a:t>11/28/2023</a:t>
+              <a:t>11/30/2023</a:t>
             </a:fld>
             <a:endParaRPr lang="en-US" dirty="0"/>
           </a:p>
@@ -2010,7 +2046,7 @@
           <a:p>
             <a:fld id="{FB9092B3-2D87-4CDF-B84B-C46E5F5D31F7}" type="datetime1">
               <a:rPr lang="en-US" smtClean="0"/>
-              <a:t>11/28/2023</a:t>
+              <a:t>11/30/2023</a:t>
             </a:fld>
             <a:endParaRPr lang="en-US" dirty="0"/>
           </a:p>
@@ -2699,7 +2735,7 @@
           <a:p>
             <a:fld id="{3D769E57-47B1-47B0-B526-3153E4B1E729}" type="datetime1">
               <a:rPr lang="en-US" smtClean="0"/>
-              <a:t>11/28/2023</a:t>
+              <a:t>11/30/2023</a:t>
             </a:fld>
             <a:endParaRPr lang="en-US" dirty="0"/>
           </a:p>
@@ -3378,7 +3414,7 @@
           <a:p>
             <a:fld id="{5A87773D-8987-489A-A650-3D6F7D5C7C38}" type="datetime1">
               <a:rPr lang="en-US" smtClean="0"/>
-              <a:t>11/28/2023</a:t>
+              <a:t>11/30/2023</a:t>
             </a:fld>
             <a:endParaRPr lang="en-US" dirty="0"/>
           </a:p>
@@ -4133,7 +4169,7 @@
           <a:p>
             <a:fld id="{97E150C1-1D78-4D80-810D-E9E86F6E88AB}" type="datetime1">
               <a:rPr lang="en-US" smtClean="0"/>
-              <a:t>11/28/2023</a:t>
+              <a:t>11/30/2023</a:t>
             </a:fld>
             <a:endParaRPr lang="en-US" dirty="0"/>
           </a:p>
@@ -4880,7 +4916,7 @@
           <a:p>
             <a:fld id="{29E9CBD8-1588-4B6B-B74D-87480DDE94C0}" type="datetime1">
               <a:rPr lang="en-US" smtClean="0"/>
-              <a:t>11/28/2023</a:t>
+              <a:t>11/30/2023</a:t>
             </a:fld>
             <a:endParaRPr lang="en-US" dirty="0"/>
           </a:p>
@@ -5774,7 +5810,7 @@
           <a:p>
             <a:fld id="{AD794440-721C-4D75-BD4F-4CFB3D51CDCA}" type="datetime1">
               <a:rPr lang="en-US" smtClean="0"/>
-              <a:t>11/28/2023</a:t>
+              <a:t>11/30/2023</a:t>
             </a:fld>
             <a:endParaRPr lang="en-US" dirty="0"/>
           </a:p>
@@ -6395,7 +6431,7 @@
           <a:p>
             <a:fld id="{B2701A64-483B-4532-94FB-D8F90CB6DEE0}" type="datetime1">
               <a:rPr lang="en-US" smtClean="0"/>
-              <a:t>11/28/2023</a:t>
+              <a:t>11/30/2023</a:t>
             </a:fld>
             <a:endParaRPr lang="en-US" dirty="0"/>
           </a:p>
@@ -6987,7 +7023,7 @@
           <a:p>
             <a:fld id="{6F18FB39-20FB-4E2E-B861-45B709B9C3C5}" type="datetime1">
               <a:rPr lang="en-US" smtClean="0"/>
-              <a:t>11/28/2023</a:t>
+              <a:t>11/30/2023</a:t>
             </a:fld>
             <a:endParaRPr lang="en-US" dirty="0"/>
           </a:p>
@@ -7779,7 +7815,7 @@
           <a:p>
             <a:fld id="{AC48AC19-8BD6-476C-9770-8884373BCF00}" type="datetime1">
               <a:rPr lang="en-US" smtClean="0"/>
-              <a:t>11/28/2023</a:t>
+              <a:t>11/30/2023</a:t>
             </a:fld>
             <a:endParaRPr lang="en-US"/>
           </a:p>
@@ -8551,7 +8587,7 @@
           <a:p>
             <a:fld id="{F3F68C53-8AD1-4F09-9486-FB3406B99CFA}" type="datetime1">
               <a:rPr lang="en-US" smtClean="0"/>
-              <a:t>11/28/2023</a:t>
+              <a:t>11/30/2023</a:t>
             </a:fld>
             <a:endParaRPr lang="en-US" dirty="0"/>
           </a:p>
@@ -8862,7 +8898,7 @@
             <a:fld id="{BA543EDD-D0D2-447F-B24F-3717AF4B109D}" type="datetime1">
               <a:rPr lang="en-US" smtClean="0"/>
               <a:pPr/>
-              <a:t>11/28/2023</a:t>
+              <a:t>11/30/2023</a:t>
             </a:fld>
             <a:endParaRPr lang="en-US" dirty="0"/>
           </a:p>
@@ -11273,7 +11309,20 @@
           <a:bodyPr/>
           <a:lstStyle/>
           <a:p>
-            <a:endParaRPr lang="en-US"/>
+            <a:r>
+              <a:rPr lang="en-US" dirty="0"/>
+              <a:t>GitHub link: </a:t>
+            </a:r>
+            <a:r>
+              <a:rPr lang="en-US" dirty="0">
+                <a:hlinkClick r:id="rId2"/>
+              </a:rPr>
+              <a:t>https://github.com/madicoulson/App-Review-Analysis</a:t>
+            </a:r>
+            <a:endParaRPr lang="en-US" dirty="0"/>
+          </a:p>
+          <a:p>
+            <a:endParaRPr lang="en-US" dirty="0"/>
           </a:p>
         </p:txBody>
       </p:sp>
@@ -11611,18 +11660,53 @@
           <a:p>
             <a:pPr lvl="1"/>
             <a:r>
+              <a:rPr lang="en-US" b="1" dirty="0" err="1">
+                <a:effectLst/>
+                <a:ea typeface="Times New Roman" panose="02020603050405020304" pitchFamily="18" charset="0"/>
+              </a:rPr>
+              <a:t>accuracy_score</a:t>
+            </a:r>
+            <a:r>
               <a:rPr lang="en-US" b="1" dirty="0">
                 <a:effectLst/>
                 <a:ea typeface="Times New Roman" panose="02020603050405020304" pitchFamily="18" charset="0"/>
               </a:rPr>
-              <a:t>accuracy_score  </a:t>
+              <a:t>, </a:t>
+            </a:r>
+            <a:r>
+              <a:rPr lang="en-US" b="1" dirty="0" err="1">
+                <a:effectLst/>
+                <a:ea typeface="Times New Roman" panose="02020603050405020304" pitchFamily="18" charset="0"/>
+              </a:rPr>
+              <a:t>precision_score</a:t>
+            </a:r>
+            <a:r>
+              <a:rPr lang="en-US" b="1" dirty="0">
+                <a:effectLst/>
+                <a:ea typeface="Times New Roman" panose="02020603050405020304" pitchFamily="18" charset="0"/>
+              </a:rPr>
+              <a:t>, </a:t>
+            </a:r>
+            <a:r>
+              <a:rPr lang="en-US" b="1" dirty="0" err="1">
+                <a:effectLst/>
+                <a:ea typeface="Times New Roman" panose="02020603050405020304" pitchFamily="18" charset="0"/>
+              </a:rPr>
+              <a:t>recall_score</a:t>
+            </a:r>
+            <a:r>
+              <a:rPr lang="en-US" b="1" dirty="0">
+                <a:effectLst/>
+                <a:ea typeface="Times New Roman" panose="02020603050405020304" pitchFamily="18" charset="0"/>
+              </a:rPr>
+              <a:t>, f1_score  </a:t>
             </a:r>
             <a:r>
               <a:rPr lang="en-US" dirty="0">
                 <a:effectLst/>
                 <a:ea typeface="Times New Roman" panose="02020603050405020304" pitchFamily="18" charset="0"/>
               </a:rPr>
-              <a:t>- calculates subset accuracy by assessing the match between the set of prediction labels and the corresponding real labels</a:t>
+              <a:t>- calculates subset accuracy, precision, recall, and f-score by assessing the match between the set of prediction labels and the corresponding real labels</a:t>
             </a:r>
             <a:endParaRPr lang="en-US" dirty="0"/>
           </a:p>
@@ -12512,10 +12596,10 @@
       </p:sp>
       <p:graphicFrame>
         <p:nvGraphicFramePr>
-          <p:cNvPr id="4" name="Content Placeholder 3">
+          <p:cNvPr id="6" name="Content Placeholder 5">
             <a:extLst>
               <a:ext uri="{FF2B5EF4-FFF2-40B4-BE49-F238E27FC236}">
-                <a16:creationId xmlns:a16="http://schemas.microsoft.com/office/drawing/2014/main" id="{A65ADD99-0EE9-D79A-A774-1292BFF0C725}"/>
+                <a16:creationId xmlns:a16="http://schemas.microsoft.com/office/drawing/2014/main" id="{2BB0503D-7852-375A-26E6-A397FD0E3AE4}"/>
               </a:ext>
             </a:extLst>
           </p:cNvPr>
@@ -12526,14 +12610,14 @@
             <p:ph idx="1"/>
             <p:extLst>
               <p:ext uri="{D42A27DB-BD31-4B8C-83A1-F6EECF244321}">
-                <p14:modId xmlns:p14="http://schemas.microsoft.com/office/powerpoint/2010/main" val="990971505"/>
+                <p14:modId xmlns:p14="http://schemas.microsoft.com/office/powerpoint/2010/main" val="3954133963"/>
               </p:ext>
             </p:extLst>
           </p:nvPr>
         </p:nvGraphicFramePr>
         <p:xfrm>
-          <a:off x="838200" y="2205259"/>
-          <a:ext cx="10515602" cy="3897428"/>
+          <a:off x="2417148" y="1573449"/>
+          <a:ext cx="7357704" cy="4718812"/>
         </p:xfrm>
         <a:graphic>
           <a:graphicData uri="http://schemas.openxmlformats.org/drawingml/2006/table">
@@ -12542,50 +12626,50 @@
                 <a:tableStyleId>{5C22544A-7EE6-4342-B048-85BDC9FD1C3A}</a:tableStyleId>
               </a:tblPr>
               <a:tblGrid>
-                <a:gridCol w="1772093">
+                <a:gridCol w="1226284">
                   <a:extLst>
                     <a:ext uri="{9D8B030D-6E8A-4147-A177-3AD203B41FA5}">
-                      <a16:colId xmlns:a16="http://schemas.microsoft.com/office/drawing/2014/main" val="451467044"/>
+                      <a16:colId xmlns:a16="http://schemas.microsoft.com/office/drawing/2014/main" val="3150689122"/>
                     </a:ext>
                   </a:extLst>
                 </a:gridCol>
-                <a:gridCol w="1730233">
+                <a:gridCol w="1226284">
                   <a:extLst>
                     <a:ext uri="{9D8B030D-6E8A-4147-A177-3AD203B41FA5}">
-                      <a16:colId xmlns:a16="http://schemas.microsoft.com/office/drawing/2014/main" val="3182619086"/>
+                      <a16:colId xmlns:a16="http://schemas.microsoft.com/office/drawing/2014/main" val="4177813080"/>
                     </a:ext>
                   </a:extLst>
                 </a:gridCol>
-                <a:gridCol w="1804203">
+                <a:gridCol w="1226284">
                   <a:extLst>
                     <a:ext uri="{9D8B030D-6E8A-4147-A177-3AD203B41FA5}">
-                      <a16:colId xmlns:a16="http://schemas.microsoft.com/office/drawing/2014/main" val="1105422740"/>
+                      <a16:colId xmlns:a16="http://schemas.microsoft.com/office/drawing/2014/main" val="2721681519"/>
                     </a:ext>
                   </a:extLst>
                 </a:gridCol>
-                <a:gridCol w="1730233">
+                <a:gridCol w="1226284">
                   <a:extLst>
                     <a:ext uri="{9D8B030D-6E8A-4147-A177-3AD203B41FA5}">
-                      <a16:colId xmlns:a16="http://schemas.microsoft.com/office/drawing/2014/main" val="3023552883"/>
+                      <a16:colId xmlns:a16="http://schemas.microsoft.com/office/drawing/2014/main" val="1676187429"/>
                     </a:ext>
                   </a:extLst>
                 </a:gridCol>
-                <a:gridCol w="1748607">
+                <a:gridCol w="1226284">
                   <a:extLst>
                     <a:ext uri="{9D8B030D-6E8A-4147-A177-3AD203B41FA5}">
-                      <a16:colId xmlns:a16="http://schemas.microsoft.com/office/drawing/2014/main" val="2987477923"/>
+                      <a16:colId xmlns:a16="http://schemas.microsoft.com/office/drawing/2014/main" val="4220981307"/>
                     </a:ext>
                   </a:extLst>
                 </a:gridCol>
-                <a:gridCol w="1730233">
+                <a:gridCol w="1226284">
                   <a:extLst>
                     <a:ext uri="{9D8B030D-6E8A-4147-A177-3AD203B41FA5}">
-                      <a16:colId xmlns:a16="http://schemas.microsoft.com/office/drawing/2014/main" val="1338874433"/>
+                      <a16:colId xmlns:a16="http://schemas.microsoft.com/office/drawing/2014/main" val="2497510951"/>
                     </a:ext>
                   </a:extLst>
                 </a:gridCol>
               </a:tblGrid>
-              <a:tr h="978150">
+              <a:tr h="672882">
                 <a:tc>
                   <a:txBody>
                     <a:bodyPr/>
@@ -12603,12 +12687,12 @@
                         </a:spcAft>
                       </a:pPr>
                       <a:r>
-                        <a:rPr lang="en-US" sz="2000">
+                        <a:rPr lang="en-US" sz="1400">
                           <a:effectLst/>
                         </a:rPr>
                         <a:t> </a:t>
                       </a:r>
-                      <a:endParaRPr lang="en-US" sz="2000">
+                      <a:endParaRPr lang="en-US" sz="1400">
                         <a:effectLst/>
                         <a:latin typeface="Calibri" panose="020F0502020204030204" pitchFamily="34" charset="0"/>
                         <a:ea typeface="Calibri" panose="020F0502020204030204" pitchFamily="34" charset="0"/>
@@ -12616,7 +12700,7 @@
                       </a:endParaRPr>
                     </a:p>
                   </a:txBody>
-                  <a:tcPr marL="119786" marR="119786" marT="0" marB="0"/>
+                  <a:tcPr marL="84896" marR="84896" marT="0" marB="0"/>
                 </a:tc>
                 <a:tc>
                   <a:txBody>
@@ -12635,12 +12719,12 @@
                         </a:spcAft>
                       </a:pPr>
                       <a:r>
-                        <a:rPr lang="en-US" sz="2000">
+                        <a:rPr lang="en-US" sz="1400">
                           <a:effectLst/>
                         </a:rPr>
                         <a:t>Actionable SVM</a:t>
                       </a:r>
-                      <a:endParaRPr lang="en-US" sz="2000">
+                      <a:endParaRPr lang="en-US" sz="1400">
                         <a:effectLst/>
                         <a:latin typeface="Calibri" panose="020F0502020204030204" pitchFamily="34" charset="0"/>
                         <a:ea typeface="Calibri" panose="020F0502020204030204" pitchFamily="34" charset="0"/>
@@ -12648,7 +12732,7 @@
                       </a:endParaRPr>
                     </a:p>
                   </a:txBody>
-                  <a:tcPr marL="119786" marR="119786" marT="0" marB="0"/>
+                  <a:tcPr marL="84896" marR="84896" marT="0" marB="0"/>
                 </a:tc>
                 <a:tc>
                   <a:txBody>
@@ -12667,12 +12751,12 @@
                         </a:spcAft>
                       </a:pPr>
                       <a:r>
-                        <a:rPr lang="en-US" sz="2000">
+                        <a:rPr lang="en-US" sz="1400">
                           <a:effectLst/>
                         </a:rPr>
                         <a:t>Crash SVM</a:t>
                       </a:r>
-                      <a:endParaRPr lang="en-US" sz="2000">
+                      <a:endParaRPr lang="en-US" sz="1400">
                         <a:effectLst/>
                         <a:latin typeface="Calibri" panose="020F0502020204030204" pitchFamily="34" charset="0"/>
                         <a:ea typeface="Calibri" panose="020F0502020204030204" pitchFamily="34" charset="0"/>
@@ -12680,7 +12764,7 @@
                       </a:endParaRPr>
                     </a:p>
                   </a:txBody>
-                  <a:tcPr marL="119786" marR="119786" marT="0" marB="0"/>
+                  <a:tcPr marL="84896" marR="84896" marT="0" marB="0"/>
                 </a:tc>
                 <a:tc>
                   <a:txBody>
@@ -12699,12 +12783,12 @@
                         </a:spcAft>
                       </a:pPr>
                       <a:r>
-                        <a:rPr lang="en-US" sz="2000">
+                        <a:rPr lang="en-US" sz="1400">
                           <a:effectLst/>
                         </a:rPr>
                         <a:t>Security SVM</a:t>
                       </a:r>
-                      <a:endParaRPr lang="en-US" sz="2000">
+                      <a:endParaRPr lang="en-US" sz="1400">
                         <a:effectLst/>
                         <a:latin typeface="Calibri" panose="020F0502020204030204" pitchFamily="34" charset="0"/>
                         <a:ea typeface="Calibri" panose="020F0502020204030204" pitchFamily="34" charset="0"/>
@@ -12712,7 +12796,7 @@
                       </a:endParaRPr>
                     </a:p>
                   </a:txBody>
-                  <a:tcPr marL="119786" marR="119786" marT="0" marB="0"/>
+                  <a:tcPr marL="84896" marR="84896" marT="0" marB="0"/>
                 </a:tc>
                 <a:tc>
                   <a:txBody>
@@ -12731,12 +12815,12 @@
                         </a:spcAft>
                       </a:pPr>
                       <a:r>
-                        <a:rPr lang="en-US" sz="2000">
+                        <a:rPr lang="en-US" sz="1400">
                           <a:effectLst/>
                         </a:rPr>
                         <a:t>Speed SVM</a:t>
                       </a:r>
-                      <a:endParaRPr lang="en-US" sz="2000">
+                      <a:endParaRPr lang="en-US" sz="1400">
                         <a:effectLst/>
                         <a:latin typeface="Calibri" panose="020F0502020204030204" pitchFamily="34" charset="0"/>
                         <a:ea typeface="Calibri" panose="020F0502020204030204" pitchFamily="34" charset="0"/>
@@ -12744,7 +12828,7 @@
                       </a:endParaRPr>
                     </a:p>
                   </a:txBody>
-                  <a:tcPr marL="119786" marR="119786" marT="0" marB="0"/>
+                  <a:tcPr marL="84896" marR="84896" marT="0" marB="0"/>
                 </a:tc>
                 <a:tc>
                   <a:txBody>
@@ -12763,12 +12847,12 @@
                         </a:spcAft>
                       </a:pPr>
                       <a:r>
-                        <a:rPr lang="en-US" sz="2000">
+                        <a:rPr lang="en-US" sz="1400">
                           <a:effectLst/>
                         </a:rPr>
                         <a:t>User Interface SVM</a:t>
                       </a:r>
-                      <a:endParaRPr lang="en-US" sz="2000">
+                      <a:endParaRPr lang="en-US" sz="1400">
                         <a:effectLst/>
                         <a:latin typeface="Calibri" panose="020F0502020204030204" pitchFamily="34" charset="0"/>
                         <a:ea typeface="Calibri" panose="020F0502020204030204" pitchFamily="34" charset="0"/>
@@ -12776,15 +12860,15 @@
                       </a:endParaRPr>
                     </a:p>
                   </a:txBody>
-                  <a:tcPr marL="119786" marR="119786" marT="0" marB="0"/>
+                  <a:tcPr marL="84896" marR="84896" marT="0" marB="0"/>
                 </a:tc>
                 <a:extLst>
                   <a:ext uri="{0D108BD9-81ED-4DB2-BD59-A6C34878D82A}">
-                    <a16:rowId xmlns:a16="http://schemas.microsoft.com/office/drawing/2014/main" val="1548257665"/>
+                    <a16:rowId xmlns:a16="http://schemas.microsoft.com/office/drawing/2014/main" val="253602958"/>
                   </a:ext>
                 </a:extLst>
               </a:tr>
-              <a:tr h="657622">
+              <a:tr h="672882">
                 <a:tc>
                   <a:txBody>
                     <a:bodyPr/>
@@ -12802,12 +12886,12 @@
                         </a:spcAft>
                       </a:pPr>
                       <a:r>
-                        <a:rPr lang="en-US" sz="2000">
+                        <a:rPr lang="en-US" sz="1400">
                           <a:effectLst/>
                         </a:rPr>
                         <a:t>Accuracy of Trained SVM</a:t>
                       </a:r>
-                      <a:endParaRPr lang="en-US" sz="2000">
+                      <a:endParaRPr lang="en-US" sz="1400">
                         <a:effectLst/>
                         <a:latin typeface="Calibri" panose="020F0502020204030204" pitchFamily="34" charset="0"/>
                         <a:ea typeface="Calibri" panose="020F0502020204030204" pitchFamily="34" charset="0"/>
@@ -12815,7 +12899,7 @@
                       </a:endParaRPr>
                     </a:p>
                   </a:txBody>
-                  <a:tcPr marL="119786" marR="119786" marT="0" marB="0"/>
+                  <a:tcPr marL="84896" marR="84896" marT="0" marB="0"/>
                 </a:tc>
                 <a:tc>
                   <a:txBody>
@@ -12834,12 +12918,12 @@
                         </a:spcAft>
                       </a:pPr>
                       <a:r>
-                        <a:rPr lang="en-US" sz="2000">
+                        <a:rPr lang="en-US" sz="1400">
                           <a:effectLst/>
                         </a:rPr>
                         <a:t>94.0%</a:t>
                       </a:r>
-                      <a:endParaRPr lang="en-US" sz="2000">
+                      <a:endParaRPr lang="en-US" sz="1400">
                         <a:effectLst/>
                         <a:latin typeface="Calibri" panose="020F0502020204030204" pitchFamily="34" charset="0"/>
                         <a:ea typeface="Calibri" panose="020F0502020204030204" pitchFamily="34" charset="0"/>
@@ -12847,7 +12931,7 @@
                       </a:endParaRPr>
                     </a:p>
                   </a:txBody>
-                  <a:tcPr marL="119786" marR="119786" marT="0" marB="0"/>
+                  <a:tcPr marL="84896" marR="84896" marT="0" marB="0"/>
                 </a:tc>
                 <a:tc>
                   <a:txBody>
@@ -12866,12 +12950,12 @@
                         </a:spcAft>
                       </a:pPr>
                       <a:r>
-                        <a:rPr lang="en-US" sz="2000">
+                        <a:rPr lang="en-US" sz="1400">
                           <a:effectLst/>
                         </a:rPr>
                         <a:t>100.0%</a:t>
                       </a:r>
-                      <a:endParaRPr lang="en-US" sz="2000">
+                      <a:endParaRPr lang="en-US" sz="1400">
                         <a:effectLst/>
                         <a:latin typeface="Calibri" panose="020F0502020204030204" pitchFamily="34" charset="0"/>
                         <a:ea typeface="Calibri" panose="020F0502020204030204" pitchFamily="34" charset="0"/>
@@ -12879,7 +12963,7 @@
                       </a:endParaRPr>
                     </a:p>
                   </a:txBody>
-                  <a:tcPr marL="119786" marR="119786" marT="0" marB="0"/>
+                  <a:tcPr marL="84896" marR="84896" marT="0" marB="0"/>
                 </a:tc>
                 <a:tc>
                   <a:txBody>
@@ -12898,12 +12982,12 @@
                         </a:spcAft>
                       </a:pPr>
                       <a:r>
-                        <a:rPr lang="en-US" sz="2000">
+                        <a:rPr lang="en-US" sz="1400">
                           <a:effectLst/>
                         </a:rPr>
                         <a:t>100.0%</a:t>
                       </a:r>
-                      <a:endParaRPr lang="en-US" sz="2000">
+                      <a:endParaRPr lang="en-US" sz="1400">
                         <a:effectLst/>
                         <a:latin typeface="Calibri" panose="020F0502020204030204" pitchFamily="34" charset="0"/>
                         <a:ea typeface="Calibri" panose="020F0502020204030204" pitchFamily="34" charset="0"/>
@@ -12911,7 +12995,7 @@
                       </a:endParaRPr>
                     </a:p>
                   </a:txBody>
-                  <a:tcPr marL="119786" marR="119786" marT="0" marB="0"/>
+                  <a:tcPr marL="84896" marR="84896" marT="0" marB="0"/>
                 </a:tc>
                 <a:tc>
                   <a:txBody>
@@ -12930,12 +13014,12 @@
                         </a:spcAft>
                       </a:pPr>
                       <a:r>
-                        <a:rPr lang="en-US" sz="2000">
+                        <a:rPr lang="en-US" sz="1400">
                           <a:effectLst/>
                         </a:rPr>
                         <a:t>98.0%</a:t>
                       </a:r>
-                      <a:endParaRPr lang="en-US" sz="2000">
+                      <a:endParaRPr lang="en-US" sz="1400">
                         <a:effectLst/>
                         <a:latin typeface="Calibri" panose="020F0502020204030204" pitchFamily="34" charset="0"/>
                         <a:ea typeface="Calibri" panose="020F0502020204030204" pitchFamily="34" charset="0"/>
@@ -12943,7 +13027,7 @@
                       </a:endParaRPr>
                     </a:p>
                   </a:txBody>
-                  <a:tcPr marL="119786" marR="119786" marT="0" marB="0"/>
+                  <a:tcPr marL="84896" marR="84896" marT="0" marB="0"/>
                 </a:tc>
                 <a:tc>
                   <a:txBody>
@@ -12962,12 +13046,12 @@
                         </a:spcAft>
                       </a:pPr>
                       <a:r>
-                        <a:rPr lang="en-US" sz="2000">
+                        <a:rPr lang="en-US" sz="1400">
                           <a:effectLst/>
                         </a:rPr>
                         <a:t>98.0%</a:t>
                       </a:r>
-                      <a:endParaRPr lang="en-US" sz="2000">
+                      <a:endParaRPr lang="en-US" sz="1400">
                         <a:effectLst/>
                         <a:latin typeface="Calibri" panose="020F0502020204030204" pitchFamily="34" charset="0"/>
                         <a:ea typeface="Calibri" panose="020F0502020204030204" pitchFamily="34" charset="0"/>
@@ -12975,15 +13059,15 @@
                       </a:endParaRPr>
                     </a:p>
                   </a:txBody>
-                  <a:tcPr marL="119786" marR="119786" marT="0" marB="0"/>
+                  <a:tcPr marL="84896" marR="84896" marT="0" marB="0"/>
                 </a:tc>
                 <a:extLst>
                   <a:ext uri="{0D108BD9-81ED-4DB2-BD59-A6C34878D82A}">
-                    <a16:rowId xmlns:a16="http://schemas.microsoft.com/office/drawing/2014/main" val="247489517"/>
+                    <a16:rowId xmlns:a16="http://schemas.microsoft.com/office/drawing/2014/main" val="2616864861"/>
                   </a:ext>
                 </a:extLst>
               </a:tr>
-              <a:tr h="978150">
+              <a:tr h="672882">
                 <a:tc>
                   <a:txBody>
                     <a:bodyPr/>
@@ -13001,12 +13085,12 @@
                         </a:spcAft>
                       </a:pPr>
                       <a:r>
-                        <a:rPr lang="en-US" sz="2000">
+                        <a:rPr lang="en-US" sz="1400">
                           <a:effectLst/>
                         </a:rPr>
-                        <a:t>Number of Reviews Returned</a:t>
+                        <a:t>Precision of Trained SVM</a:t>
                       </a:r>
-                      <a:endParaRPr lang="en-US" sz="2000">
+                      <a:endParaRPr lang="en-US" sz="1400">
                         <a:effectLst/>
                         <a:latin typeface="Calibri" panose="020F0502020204030204" pitchFamily="34" charset="0"/>
                         <a:ea typeface="Calibri" panose="020F0502020204030204" pitchFamily="34" charset="0"/>
@@ -13014,7 +13098,7 @@
                       </a:endParaRPr>
                     </a:p>
                   </a:txBody>
-                  <a:tcPr marL="119786" marR="119786" marT="0" marB="0"/>
+                  <a:tcPr marL="84896" marR="84896" marT="0" marB="0"/>
                 </a:tc>
                 <a:tc>
                   <a:txBody>
@@ -13033,12 +13117,12 @@
                         </a:spcAft>
                       </a:pPr>
                       <a:r>
-                        <a:rPr lang="en-US" sz="2000">
+                        <a:rPr lang="en-US" sz="1400">
                           <a:effectLst/>
                         </a:rPr>
-                        <a:t>63</a:t>
+                        <a:t>0.9464285714285714</a:t>
                       </a:r>
-                      <a:endParaRPr lang="en-US" sz="2000">
+                      <a:endParaRPr lang="en-US" sz="1400">
                         <a:effectLst/>
                         <a:latin typeface="Calibri" panose="020F0502020204030204" pitchFamily="34" charset="0"/>
                         <a:ea typeface="Calibri" panose="020F0502020204030204" pitchFamily="34" charset="0"/>
@@ -13046,7 +13130,7 @@
                       </a:endParaRPr>
                     </a:p>
                   </a:txBody>
-                  <a:tcPr marL="119786" marR="119786" marT="0" marB="0"/>
+                  <a:tcPr marL="84896" marR="84896" marT="0" marB="0"/>
                 </a:tc>
                 <a:tc>
                   <a:txBody>
@@ -13065,12 +13149,12 @@
                         </a:spcAft>
                       </a:pPr>
                       <a:r>
-                        <a:rPr lang="en-US" sz="2000">
+                        <a:rPr lang="en-US" sz="1400">
                           <a:effectLst/>
                         </a:rPr>
-                        <a:t>2</a:t>
+                        <a:t>1.0</a:t>
                       </a:r>
-                      <a:endParaRPr lang="en-US" sz="2000">
+                      <a:endParaRPr lang="en-US" sz="1400">
                         <a:effectLst/>
                         <a:latin typeface="Calibri" panose="020F0502020204030204" pitchFamily="34" charset="0"/>
                         <a:ea typeface="Calibri" panose="020F0502020204030204" pitchFamily="34" charset="0"/>
@@ -13078,7 +13162,7 @@
                       </a:endParaRPr>
                     </a:p>
                   </a:txBody>
-                  <a:tcPr marL="119786" marR="119786" marT="0" marB="0"/>
+                  <a:tcPr marL="84896" marR="84896" marT="0" marB="0"/>
                 </a:tc>
                 <a:tc>
                   <a:txBody>
@@ -13097,12 +13181,12 @@
                         </a:spcAft>
                       </a:pPr>
                       <a:r>
-                        <a:rPr lang="en-US" sz="2000">
+                        <a:rPr lang="en-US" sz="1400">
                           <a:effectLst/>
                         </a:rPr>
-                        <a:t>0</a:t>
+                        <a:t>1.0</a:t>
                       </a:r>
-                      <a:endParaRPr lang="en-US" sz="2000">
+                      <a:endParaRPr lang="en-US" sz="1400">
                         <a:effectLst/>
                         <a:latin typeface="Calibri" panose="020F0502020204030204" pitchFamily="34" charset="0"/>
                         <a:ea typeface="Calibri" panose="020F0502020204030204" pitchFamily="34" charset="0"/>
@@ -13110,7 +13194,7 @@
                       </a:endParaRPr>
                     </a:p>
                   </a:txBody>
-                  <a:tcPr marL="119786" marR="119786" marT="0" marB="0"/>
+                  <a:tcPr marL="84896" marR="84896" marT="0" marB="0"/>
                 </a:tc>
                 <a:tc>
                   <a:txBody>
@@ -13129,12 +13213,12 @@
                         </a:spcAft>
                       </a:pPr>
                       <a:r>
-                        <a:rPr lang="en-US" sz="2000">
+                        <a:rPr lang="en-US" sz="1400">
                           <a:effectLst/>
                         </a:rPr>
-                        <a:t>7</a:t>
+                        <a:t>1.0</a:t>
                       </a:r>
-                      <a:endParaRPr lang="en-US" sz="2000">
+                      <a:endParaRPr lang="en-US" sz="1400">
                         <a:effectLst/>
                         <a:latin typeface="Calibri" panose="020F0502020204030204" pitchFamily="34" charset="0"/>
                         <a:ea typeface="Calibri" panose="020F0502020204030204" pitchFamily="34" charset="0"/>
@@ -13142,7 +13226,7 @@
                       </a:endParaRPr>
                     </a:p>
                   </a:txBody>
-                  <a:tcPr marL="119786" marR="119786" marT="0" marB="0"/>
+                  <a:tcPr marL="84896" marR="84896" marT="0" marB="0"/>
                 </a:tc>
                 <a:tc>
                   <a:txBody>
@@ -13161,12 +13245,12 @@
                         </a:spcAft>
                       </a:pPr>
                       <a:r>
-                        <a:rPr lang="en-US" sz="2000">
+                        <a:rPr lang="en-US" sz="1400">
                           <a:effectLst/>
                         </a:rPr>
-                        <a:t>27</a:t>
+                        <a:t>0.9565217391304348</a:t>
                       </a:r>
-                      <a:endParaRPr lang="en-US" sz="2000">
+                      <a:endParaRPr lang="en-US" sz="1400">
                         <a:effectLst/>
                         <a:latin typeface="Calibri" panose="020F0502020204030204" pitchFamily="34" charset="0"/>
                         <a:ea typeface="Calibri" panose="020F0502020204030204" pitchFamily="34" charset="0"/>
@@ -13174,15 +13258,15 @@
                       </a:endParaRPr>
                     </a:p>
                   </a:txBody>
-                  <a:tcPr marL="119786" marR="119786" marT="0" marB="0"/>
+                  <a:tcPr marL="84896" marR="84896" marT="0" marB="0"/>
                 </a:tc>
                 <a:extLst>
                   <a:ext uri="{0D108BD9-81ED-4DB2-BD59-A6C34878D82A}">
-                    <a16:rowId xmlns:a16="http://schemas.microsoft.com/office/drawing/2014/main" val="77698257"/>
+                    <a16:rowId xmlns:a16="http://schemas.microsoft.com/office/drawing/2014/main" val="3169698327"/>
                   </a:ext>
                 </a:extLst>
               </a:tr>
-              <a:tr h="978150">
+              <a:tr h="672882">
                 <a:tc>
                   <a:txBody>
                     <a:bodyPr/>
@@ -13200,12 +13284,12 @@
                         </a:spcAft>
                       </a:pPr>
                       <a:r>
-                        <a:rPr lang="en-US" sz="2000">
+                        <a:rPr lang="en-US" sz="1400">
                           <a:effectLst/>
                         </a:rPr>
-                        <a:t>Percentage of Reviews Returned</a:t>
+                        <a:t>Recall of Trained SVM</a:t>
                       </a:r>
-                      <a:endParaRPr lang="en-US" sz="2000">
+                      <a:endParaRPr lang="en-US" sz="1400">
                         <a:effectLst/>
                         <a:latin typeface="Calibri" panose="020F0502020204030204" pitchFamily="34" charset="0"/>
                         <a:ea typeface="Calibri" panose="020F0502020204030204" pitchFamily="34" charset="0"/>
@@ -13213,7 +13297,7 @@
                       </a:endParaRPr>
                     </a:p>
                   </a:txBody>
-                  <a:tcPr marL="119786" marR="119786" marT="0" marB="0"/>
+                  <a:tcPr marL="84896" marR="84896" marT="0" marB="0"/>
                 </a:tc>
                 <a:tc>
                   <a:txBody>
@@ -13232,12 +13316,12 @@
                         </a:spcAft>
                       </a:pPr>
                       <a:r>
-                        <a:rPr lang="en-US" sz="2000">
+                        <a:rPr lang="en-US" sz="1400">
                           <a:effectLst/>
                         </a:rPr>
-                        <a:t>63% (63/100)</a:t>
+                        <a:t>0.9464285714285714</a:t>
                       </a:r>
-                      <a:endParaRPr lang="en-US" sz="2000">
+                      <a:endParaRPr lang="en-US" sz="1400">
                         <a:effectLst/>
                         <a:latin typeface="Calibri" panose="020F0502020204030204" pitchFamily="34" charset="0"/>
                         <a:ea typeface="Calibri" panose="020F0502020204030204" pitchFamily="34" charset="0"/>
@@ -13245,7 +13329,7 @@
                       </a:endParaRPr>
                     </a:p>
                   </a:txBody>
-                  <a:tcPr marL="119786" marR="119786" marT="0" marB="0"/>
+                  <a:tcPr marL="84896" marR="84896" marT="0" marB="0"/>
                 </a:tc>
                 <a:tc>
                   <a:txBody>
@@ -13264,12 +13348,12 @@
                         </a:spcAft>
                       </a:pPr>
                       <a:r>
-                        <a:rPr lang="en-US" sz="2000">
+                        <a:rPr lang="en-US" sz="1400">
                           <a:effectLst/>
                         </a:rPr>
-                        <a:t>3.17% (2/63)</a:t>
+                        <a:t>1.0</a:t>
                       </a:r>
-                      <a:endParaRPr lang="en-US" sz="2000">
+                      <a:endParaRPr lang="en-US" sz="1400">
                         <a:effectLst/>
                         <a:latin typeface="Calibri" panose="020F0502020204030204" pitchFamily="34" charset="0"/>
                         <a:ea typeface="Calibri" panose="020F0502020204030204" pitchFamily="34" charset="0"/>
@@ -13277,7 +13361,7 @@
                       </a:endParaRPr>
                     </a:p>
                   </a:txBody>
-                  <a:tcPr marL="119786" marR="119786" marT="0" marB="0"/>
+                  <a:tcPr marL="84896" marR="84896" marT="0" marB="0"/>
                 </a:tc>
                 <a:tc>
                   <a:txBody>
@@ -13296,12 +13380,12 @@
                         </a:spcAft>
                       </a:pPr>
                       <a:r>
-                        <a:rPr lang="en-US" sz="2000">
+                        <a:rPr lang="en-US" sz="1400">
                           <a:effectLst/>
                         </a:rPr>
-                        <a:t>0% (0/63)</a:t>
+                        <a:t>1.0</a:t>
                       </a:r>
-                      <a:endParaRPr lang="en-US" sz="2000">
+                      <a:endParaRPr lang="en-US" sz="1400">
                         <a:effectLst/>
                         <a:latin typeface="Calibri" panose="020F0502020204030204" pitchFamily="34" charset="0"/>
                         <a:ea typeface="Calibri" panose="020F0502020204030204" pitchFamily="34" charset="0"/>
@@ -13309,7 +13393,7 @@
                       </a:endParaRPr>
                     </a:p>
                   </a:txBody>
-                  <a:tcPr marL="119786" marR="119786" marT="0" marB="0"/>
+                  <a:tcPr marL="84896" marR="84896" marT="0" marB="0"/>
                 </a:tc>
                 <a:tc>
                   <a:txBody>
@@ -13328,12 +13412,12 @@
                         </a:spcAft>
                       </a:pPr>
                       <a:r>
-                        <a:rPr lang="en-US" sz="2000">
+                        <a:rPr lang="en-US" sz="1400">
                           <a:effectLst/>
                         </a:rPr>
-                        <a:t>11.11% (7/63)</a:t>
+                        <a:t>0.9393939393939394</a:t>
                       </a:r>
-                      <a:endParaRPr lang="en-US" sz="2000">
+                      <a:endParaRPr lang="en-US" sz="1400">
                         <a:effectLst/>
                         <a:latin typeface="Calibri" panose="020F0502020204030204" pitchFamily="34" charset="0"/>
                         <a:ea typeface="Calibri" panose="020F0502020204030204" pitchFamily="34" charset="0"/>
@@ -13341,7 +13425,7 @@
                       </a:endParaRPr>
                     </a:p>
                   </a:txBody>
-                  <a:tcPr marL="119786" marR="119786" marT="0" marB="0"/>
+                  <a:tcPr marL="84896" marR="84896" marT="0" marB="0"/>
                 </a:tc>
                 <a:tc>
                   <a:txBody>
@@ -13360,12 +13444,12 @@
                         </a:spcAft>
                       </a:pPr>
                       <a:r>
-                        <a:rPr lang="en-US" sz="2000">
+                        <a:rPr lang="en-US" sz="1400">
                           <a:effectLst/>
                         </a:rPr>
-                        <a:t>42.86% (27/63)</a:t>
+                        <a:t>1.0</a:t>
                       </a:r>
-                      <a:endParaRPr lang="en-US" sz="2000">
+                      <a:endParaRPr lang="en-US" sz="1400">
                         <a:effectLst/>
                         <a:latin typeface="Calibri" panose="020F0502020204030204" pitchFamily="34" charset="0"/>
                         <a:ea typeface="Calibri" panose="020F0502020204030204" pitchFamily="34" charset="0"/>
@@ -13373,11 +13457,608 @@
                       </a:endParaRPr>
                     </a:p>
                   </a:txBody>
-                  <a:tcPr marL="119786" marR="119786" marT="0" marB="0"/>
+                  <a:tcPr marL="84896" marR="84896" marT="0" marB="0"/>
                 </a:tc>
                 <a:extLst>
                   <a:ext uri="{0D108BD9-81ED-4DB2-BD59-A6C34878D82A}">
-                    <a16:rowId xmlns:a16="http://schemas.microsoft.com/office/drawing/2014/main" val="2391551324"/>
+                    <a16:rowId xmlns:a16="http://schemas.microsoft.com/office/drawing/2014/main" val="750942957"/>
+                  </a:ext>
+                </a:extLst>
+              </a:tr>
+              <a:tr h="672882">
+                <a:tc>
+                  <a:txBody>
+                    <a:bodyPr/>
+                    <a:lstStyle/>
+                    <a:p>
+                      <a:pPr marL="0" marR="0">
+                        <a:lnSpc>
+                          <a:spcPct val="107000"/>
+                        </a:lnSpc>
+                        <a:spcBef>
+                          <a:spcPts val="0"/>
+                        </a:spcBef>
+                        <a:spcAft>
+                          <a:spcPts val="0"/>
+                        </a:spcAft>
+                      </a:pPr>
+                      <a:r>
+                        <a:rPr lang="en-US" sz="1400">
+                          <a:effectLst/>
+                        </a:rPr>
+                        <a:t>F-Score of Trained SVM</a:t>
+                      </a:r>
+                      <a:endParaRPr lang="en-US" sz="1400">
+                        <a:effectLst/>
+                        <a:latin typeface="Calibri" panose="020F0502020204030204" pitchFamily="34" charset="0"/>
+                        <a:ea typeface="Calibri" panose="020F0502020204030204" pitchFamily="34" charset="0"/>
+                        <a:cs typeface="Times New Roman" panose="02020603050405020304" pitchFamily="18" charset="0"/>
+                      </a:endParaRPr>
+                    </a:p>
+                  </a:txBody>
+                  <a:tcPr marL="84896" marR="84896" marT="0" marB="0"/>
+                </a:tc>
+                <a:tc>
+                  <a:txBody>
+                    <a:bodyPr/>
+                    <a:lstStyle/>
+                    <a:p>
+                      <a:pPr marL="0" marR="0">
+                        <a:lnSpc>
+                          <a:spcPct val="107000"/>
+                        </a:lnSpc>
+                        <a:spcBef>
+                          <a:spcPts val="0"/>
+                        </a:spcBef>
+                        <a:spcAft>
+                          <a:spcPts val="0"/>
+                        </a:spcAft>
+                      </a:pPr>
+                      <a:r>
+                        <a:rPr lang="en-US" sz="1400">
+                          <a:effectLst/>
+                        </a:rPr>
+                        <a:t>0.9464285714285714</a:t>
+                      </a:r>
+                      <a:endParaRPr lang="en-US" sz="1400">
+                        <a:effectLst/>
+                        <a:latin typeface="Calibri" panose="020F0502020204030204" pitchFamily="34" charset="0"/>
+                        <a:ea typeface="Calibri" panose="020F0502020204030204" pitchFamily="34" charset="0"/>
+                        <a:cs typeface="Times New Roman" panose="02020603050405020304" pitchFamily="18" charset="0"/>
+                      </a:endParaRPr>
+                    </a:p>
+                  </a:txBody>
+                  <a:tcPr marL="84896" marR="84896" marT="0" marB="0"/>
+                </a:tc>
+                <a:tc>
+                  <a:txBody>
+                    <a:bodyPr/>
+                    <a:lstStyle/>
+                    <a:p>
+                      <a:pPr marL="0" marR="0">
+                        <a:lnSpc>
+                          <a:spcPct val="107000"/>
+                        </a:lnSpc>
+                        <a:spcBef>
+                          <a:spcPts val="0"/>
+                        </a:spcBef>
+                        <a:spcAft>
+                          <a:spcPts val="0"/>
+                        </a:spcAft>
+                      </a:pPr>
+                      <a:r>
+                        <a:rPr lang="en-US" sz="1400">
+                          <a:effectLst/>
+                        </a:rPr>
+                        <a:t>1.0</a:t>
+                      </a:r>
+                      <a:endParaRPr lang="en-US" sz="1400">
+                        <a:effectLst/>
+                        <a:latin typeface="Calibri" panose="020F0502020204030204" pitchFamily="34" charset="0"/>
+                        <a:ea typeface="Calibri" panose="020F0502020204030204" pitchFamily="34" charset="0"/>
+                        <a:cs typeface="Times New Roman" panose="02020603050405020304" pitchFamily="18" charset="0"/>
+                      </a:endParaRPr>
+                    </a:p>
+                  </a:txBody>
+                  <a:tcPr marL="84896" marR="84896" marT="0" marB="0"/>
+                </a:tc>
+                <a:tc>
+                  <a:txBody>
+                    <a:bodyPr/>
+                    <a:lstStyle/>
+                    <a:p>
+                      <a:pPr marL="0" marR="0">
+                        <a:lnSpc>
+                          <a:spcPct val="107000"/>
+                        </a:lnSpc>
+                        <a:spcBef>
+                          <a:spcPts val="0"/>
+                        </a:spcBef>
+                        <a:spcAft>
+                          <a:spcPts val="0"/>
+                        </a:spcAft>
+                      </a:pPr>
+                      <a:r>
+                        <a:rPr lang="en-US" sz="1400">
+                          <a:effectLst/>
+                        </a:rPr>
+                        <a:t>1.0</a:t>
+                      </a:r>
+                      <a:endParaRPr lang="en-US" sz="1400">
+                        <a:effectLst/>
+                        <a:latin typeface="Calibri" panose="020F0502020204030204" pitchFamily="34" charset="0"/>
+                        <a:ea typeface="Calibri" panose="020F0502020204030204" pitchFamily="34" charset="0"/>
+                        <a:cs typeface="Times New Roman" panose="02020603050405020304" pitchFamily="18" charset="0"/>
+                      </a:endParaRPr>
+                    </a:p>
+                  </a:txBody>
+                  <a:tcPr marL="84896" marR="84896" marT="0" marB="0"/>
+                </a:tc>
+                <a:tc>
+                  <a:txBody>
+                    <a:bodyPr/>
+                    <a:lstStyle/>
+                    <a:p>
+                      <a:pPr marL="0" marR="0">
+                        <a:lnSpc>
+                          <a:spcPct val="107000"/>
+                        </a:lnSpc>
+                        <a:spcBef>
+                          <a:spcPts val="0"/>
+                        </a:spcBef>
+                        <a:spcAft>
+                          <a:spcPts val="0"/>
+                        </a:spcAft>
+                      </a:pPr>
+                      <a:r>
+                        <a:rPr lang="en-US" sz="1400">
+                          <a:effectLst/>
+                        </a:rPr>
+                        <a:t>0.96875</a:t>
+                      </a:r>
+                      <a:endParaRPr lang="en-US" sz="1400">
+                        <a:effectLst/>
+                        <a:latin typeface="Calibri" panose="020F0502020204030204" pitchFamily="34" charset="0"/>
+                        <a:ea typeface="Calibri" panose="020F0502020204030204" pitchFamily="34" charset="0"/>
+                        <a:cs typeface="Times New Roman" panose="02020603050405020304" pitchFamily="18" charset="0"/>
+                      </a:endParaRPr>
+                    </a:p>
+                  </a:txBody>
+                  <a:tcPr marL="84896" marR="84896" marT="0" marB="0"/>
+                </a:tc>
+                <a:tc>
+                  <a:txBody>
+                    <a:bodyPr/>
+                    <a:lstStyle/>
+                    <a:p>
+                      <a:pPr marL="0" marR="0">
+                        <a:lnSpc>
+                          <a:spcPct val="107000"/>
+                        </a:lnSpc>
+                        <a:spcBef>
+                          <a:spcPts val="0"/>
+                        </a:spcBef>
+                        <a:spcAft>
+                          <a:spcPts val="0"/>
+                        </a:spcAft>
+                      </a:pPr>
+                      <a:r>
+                        <a:rPr lang="en-US" sz="1400">
+                          <a:effectLst/>
+                        </a:rPr>
+                        <a:t>0.9777777777777777</a:t>
+                      </a:r>
+                      <a:endParaRPr lang="en-US" sz="1400">
+                        <a:effectLst/>
+                        <a:latin typeface="Calibri" panose="020F0502020204030204" pitchFamily="34" charset="0"/>
+                        <a:ea typeface="Calibri" panose="020F0502020204030204" pitchFamily="34" charset="0"/>
+                        <a:cs typeface="Times New Roman" panose="02020603050405020304" pitchFamily="18" charset="0"/>
+                      </a:endParaRPr>
+                    </a:p>
+                  </a:txBody>
+                  <a:tcPr marL="84896" marR="84896" marT="0" marB="0"/>
+                </a:tc>
+                <a:extLst>
+                  <a:ext uri="{0D108BD9-81ED-4DB2-BD59-A6C34878D82A}">
+                    <a16:rowId xmlns:a16="http://schemas.microsoft.com/office/drawing/2014/main" val="3141505942"/>
+                  </a:ext>
+                </a:extLst>
+              </a:tr>
+              <a:tr h="672882">
+                <a:tc>
+                  <a:txBody>
+                    <a:bodyPr/>
+                    <a:lstStyle/>
+                    <a:p>
+                      <a:pPr marL="0" marR="0">
+                        <a:lnSpc>
+                          <a:spcPct val="107000"/>
+                        </a:lnSpc>
+                        <a:spcBef>
+                          <a:spcPts val="0"/>
+                        </a:spcBef>
+                        <a:spcAft>
+                          <a:spcPts val="0"/>
+                        </a:spcAft>
+                      </a:pPr>
+                      <a:r>
+                        <a:rPr lang="en-US" sz="1400">
+                          <a:effectLst/>
+                        </a:rPr>
+                        <a:t>Number of Reviews Returned</a:t>
+                      </a:r>
+                      <a:endParaRPr lang="en-US" sz="1400">
+                        <a:effectLst/>
+                        <a:latin typeface="Calibri" panose="020F0502020204030204" pitchFamily="34" charset="0"/>
+                        <a:ea typeface="Calibri" panose="020F0502020204030204" pitchFamily="34" charset="0"/>
+                        <a:cs typeface="Times New Roman" panose="02020603050405020304" pitchFamily="18" charset="0"/>
+                      </a:endParaRPr>
+                    </a:p>
+                  </a:txBody>
+                  <a:tcPr marL="84896" marR="84896" marT="0" marB="0"/>
+                </a:tc>
+                <a:tc>
+                  <a:txBody>
+                    <a:bodyPr/>
+                    <a:lstStyle/>
+                    <a:p>
+                      <a:pPr marL="0" marR="0">
+                        <a:lnSpc>
+                          <a:spcPct val="107000"/>
+                        </a:lnSpc>
+                        <a:spcBef>
+                          <a:spcPts val="0"/>
+                        </a:spcBef>
+                        <a:spcAft>
+                          <a:spcPts val="0"/>
+                        </a:spcAft>
+                      </a:pPr>
+                      <a:r>
+                        <a:rPr lang="en-US" sz="1400">
+                          <a:effectLst/>
+                        </a:rPr>
+                        <a:t>63</a:t>
+                      </a:r>
+                      <a:endParaRPr lang="en-US" sz="1400">
+                        <a:effectLst/>
+                        <a:latin typeface="Calibri" panose="020F0502020204030204" pitchFamily="34" charset="0"/>
+                        <a:ea typeface="Calibri" panose="020F0502020204030204" pitchFamily="34" charset="0"/>
+                        <a:cs typeface="Times New Roman" panose="02020603050405020304" pitchFamily="18" charset="0"/>
+                      </a:endParaRPr>
+                    </a:p>
+                  </a:txBody>
+                  <a:tcPr marL="84896" marR="84896" marT="0" marB="0"/>
+                </a:tc>
+                <a:tc>
+                  <a:txBody>
+                    <a:bodyPr/>
+                    <a:lstStyle/>
+                    <a:p>
+                      <a:pPr marL="0" marR="0">
+                        <a:lnSpc>
+                          <a:spcPct val="107000"/>
+                        </a:lnSpc>
+                        <a:spcBef>
+                          <a:spcPts val="0"/>
+                        </a:spcBef>
+                        <a:spcAft>
+                          <a:spcPts val="0"/>
+                        </a:spcAft>
+                      </a:pPr>
+                      <a:r>
+                        <a:rPr lang="en-US" sz="1400">
+                          <a:effectLst/>
+                        </a:rPr>
+                        <a:t>2</a:t>
+                      </a:r>
+                      <a:endParaRPr lang="en-US" sz="1400">
+                        <a:effectLst/>
+                        <a:latin typeface="Calibri" panose="020F0502020204030204" pitchFamily="34" charset="0"/>
+                        <a:ea typeface="Calibri" panose="020F0502020204030204" pitchFamily="34" charset="0"/>
+                        <a:cs typeface="Times New Roman" panose="02020603050405020304" pitchFamily="18" charset="0"/>
+                      </a:endParaRPr>
+                    </a:p>
+                  </a:txBody>
+                  <a:tcPr marL="84896" marR="84896" marT="0" marB="0"/>
+                </a:tc>
+                <a:tc>
+                  <a:txBody>
+                    <a:bodyPr/>
+                    <a:lstStyle/>
+                    <a:p>
+                      <a:pPr marL="0" marR="0">
+                        <a:lnSpc>
+                          <a:spcPct val="107000"/>
+                        </a:lnSpc>
+                        <a:spcBef>
+                          <a:spcPts val="0"/>
+                        </a:spcBef>
+                        <a:spcAft>
+                          <a:spcPts val="0"/>
+                        </a:spcAft>
+                      </a:pPr>
+                      <a:r>
+                        <a:rPr lang="en-US" sz="1400">
+                          <a:effectLst/>
+                        </a:rPr>
+                        <a:t>0</a:t>
+                      </a:r>
+                      <a:endParaRPr lang="en-US" sz="1400">
+                        <a:effectLst/>
+                        <a:latin typeface="Calibri" panose="020F0502020204030204" pitchFamily="34" charset="0"/>
+                        <a:ea typeface="Calibri" panose="020F0502020204030204" pitchFamily="34" charset="0"/>
+                        <a:cs typeface="Times New Roman" panose="02020603050405020304" pitchFamily="18" charset="0"/>
+                      </a:endParaRPr>
+                    </a:p>
+                  </a:txBody>
+                  <a:tcPr marL="84896" marR="84896" marT="0" marB="0"/>
+                </a:tc>
+                <a:tc>
+                  <a:txBody>
+                    <a:bodyPr/>
+                    <a:lstStyle/>
+                    <a:p>
+                      <a:pPr marL="0" marR="0">
+                        <a:lnSpc>
+                          <a:spcPct val="107000"/>
+                        </a:lnSpc>
+                        <a:spcBef>
+                          <a:spcPts val="0"/>
+                        </a:spcBef>
+                        <a:spcAft>
+                          <a:spcPts val="0"/>
+                        </a:spcAft>
+                      </a:pPr>
+                      <a:r>
+                        <a:rPr lang="en-US" sz="1400">
+                          <a:effectLst/>
+                        </a:rPr>
+                        <a:t>7</a:t>
+                      </a:r>
+                      <a:endParaRPr lang="en-US" sz="1400">
+                        <a:effectLst/>
+                        <a:latin typeface="Calibri" panose="020F0502020204030204" pitchFamily="34" charset="0"/>
+                        <a:ea typeface="Calibri" panose="020F0502020204030204" pitchFamily="34" charset="0"/>
+                        <a:cs typeface="Times New Roman" panose="02020603050405020304" pitchFamily="18" charset="0"/>
+                      </a:endParaRPr>
+                    </a:p>
+                  </a:txBody>
+                  <a:tcPr marL="84896" marR="84896" marT="0" marB="0"/>
+                </a:tc>
+                <a:tc>
+                  <a:txBody>
+                    <a:bodyPr/>
+                    <a:lstStyle/>
+                    <a:p>
+                      <a:pPr marL="0" marR="0">
+                        <a:lnSpc>
+                          <a:spcPct val="107000"/>
+                        </a:lnSpc>
+                        <a:spcBef>
+                          <a:spcPts val="0"/>
+                        </a:spcBef>
+                        <a:spcAft>
+                          <a:spcPts val="0"/>
+                        </a:spcAft>
+                      </a:pPr>
+                      <a:r>
+                        <a:rPr lang="en-US" sz="1400">
+                          <a:effectLst/>
+                        </a:rPr>
+                        <a:t>27</a:t>
+                      </a:r>
+                      <a:endParaRPr lang="en-US" sz="1400">
+                        <a:effectLst/>
+                        <a:latin typeface="Calibri" panose="020F0502020204030204" pitchFamily="34" charset="0"/>
+                        <a:ea typeface="Calibri" panose="020F0502020204030204" pitchFamily="34" charset="0"/>
+                        <a:cs typeface="Times New Roman" panose="02020603050405020304" pitchFamily="18" charset="0"/>
+                      </a:endParaRPr>
+                    </a:p>
+                  </a:txBody>
+                  <a:tcPr marL="84896" marR="84896" marT="0" marB="0"/>
+                </a:tc>
+                <a:extLst>
+                  <a:ext uri="{0D108BD9-81ED-4DB2-BD59-A6C34878D82A}">
+                    <a16:rowId xmlns:a16="http://schemas.microsoft.com/office/drawing/2014/main" val="2023003221"/>
+                  </a:ext>
+                </a:extLst>
+              </a:tr>
+              <a:tr h="672882">
+                <a:tc>
+                  <a:txBody>
+                    <a:bodyPr/>
+                    <a:lstStyle/>
+                    <a:p>
+                      <a:pPr marL="0" marR="0">
+                        <a:lnSpc>
+                          <a:spcPct val="107000"/>
+                        </a:lnSpc>
+                        <a:spcBef>
+                          <a:spcPts val="0"/>
+                        </a:spcBef>
+                        <a:spcAft>
+                          <a:spcPts val="0"/>
+                        </a:spcAft>
+                      </a:pPr>
+                      <a:r>
+                        <a:rPr lang="en-US" sz="1400">
+                          <a:effectLst/>
+                        </a:rPr>
+                        <a:t>Percentage of Reviews Returned</a:t>
+                      </a:r>
+                      <a:endParaRPr lang="en-US" sz="1400">
+                        <a:effectLst/>
+                        <a:latin typeface="Calibri" panose="020F0502020204030204" pitchFamily="34" charset="0"/>
+                        <a:ea typeface="Calibri" panose="020F0502020204030204" pitchFamily="34" charset="0"/>
+                        <a:cs typeface="Times New Roman" panose="02020603050405020304" pitchFamily="18" charset="0"/>
+                      </a:endParaRPr>
+                    </a:p>
+                  </a:txBody>
+                  <a:tcPr marL="84896" marR="84896" marT="0" marB="0"/>
+                </a:tc>
+                <a:tc>
+                  <a:txBody>
+                    <a:bodyPr/>
+                    <a:lstStyle/>
+                    <a:p>
+                      <a:pPr marL="0" marR="0">
+                        <a:lnSpc>
+                          <a:spcPct val="107000"/>
+                        </a:lnSpc>
+                        <a:spcBef>
+                          <a:spcPts val="0"/>
+                        </a:spcBef>
+                        <a:spcAft>
+                          <a:spcPts val="0"/>
+                        </a:spcAft>
+                      </a:pPr>
+                      <a:r>
+                        <a:rPr lang="en-US" sz="1400">
+                          <a:effectLst/>
+                        </a:rPr>
+                        <a:t>63% (63/100)</a:t>
+                      </a:r>
+                      <a:endParaRPr lang="en-US" sz="1400">
+                        <a:effectLst/>
+                        <a:latin typeface="Calibri" panose="020F0502020204030204" pitchFamily="34" charset="0"/>
+                        <a:ea typeface="Calibri" panose="020F0502020204030204" pitchFamily="34" charset="0"/>
+                        <a:cs typeface="Times New Roman" panose="02020603050405020304" pitchFamily="18" charset="0"/>
+                      </a:endParaRPr>
+                    </a:p>
+                  </a:txBody>
+                  <a:tcPr marL="84896" marR="84896" marT="0" marB="0"/>
+                </a:tc>
+                <a:tc>
+                  <a:txBody>
+                    <a:bodyPr/>
+                    <a:lstStyle/>
+                    <a:p>
+                      <a:pPr marL="0" marR="0">
+                        <a:lnSpc>
+                          <a:spcPct val="107000"/>
+                        </a:lnSpc>
+                        <a:spcBef>
+                          <a:spcPts val="0"/>
+                        </a:spcBef>
+                        <a:spcAft>
+                          <a:spcPts val="0"/>
+                        </a:spcAft>
+                      </a:pPr>
+                      <a:r>
+                        <a:rPr lang="en-US" sz="1400">
+                          <a:effectLst/>
+                        </a:rPr>
+                        <a:t>3.17% (2/63)</a:t>
+                      </a:r>
+                      <a:endParaRPr lang="en-US" sz="1400">
+                        <a:effectLst/>
+                        <a:latin typeface="Calibri" panose="020F0502020204030204" pitchFamily="34" charset="0"/>
+                        <a:ea typeface="Calibri" panose="020F0502020204030204" pitchFamily="34" charset="0"/>
+                        <a:cs typeface="Times New Roman" panose="02020603050405020304" pitchFamily="18" charset="0"/>
+                      </a:endParaRPr>
+                    </a:p>
+                  </a:txBody>
+                  <a:tcPr marL="84896" marR="84896" marT="0" marB="0"/>
+                </a:tc>
+                <a:tc>
+                  <a:txBody>
+                    <a:bodyPr/>
+                    <a:lstStyle/>
+                    <a:p>
+                      <a:pPr marL="0" marR="0">
+                        <a:lnSpc>
+                          <a:spcPct val="107000"/>
+                        </a:lnSpc>
+                        <a:spcBef>
+                          <a:spcPts val="0"/>
+                        </a:spcBef>
+                        <a:spcAft>
+                          <a:spcPts val="0"/>
+                        </a:spcAft>
+                      </a:pPr>
+                      <a:r>
+                        <a:rPr lang="en-US" sz="1400">
+                          <a:effectLst/>
+                        </a:rPr>
+                        <a:t>0% (0/63)</a:t>
+                      </a:r>
+                      <a:endParaRPr lang="en-US" sz="1400">
+                        <a:effectLst/>
+                        <a:latin typeface="Calibri" panose="020F0502020204030204" pitchFamily="34" charset="0"/>
+                        <a:ea typeface="Calibri" panose="020F0502020204030204" pitchFamily="34" charset="0"/>
+                        <a:cs typeface="Times New Roman" panose="02020603050405020304" pitchFamily="18" charset="0"/>
+                      </a:endParaRPr>
+                    </a:p>
+                  </a:txBody>
+                  <a:tcPr marL="84896" marR="84896" marT="0" marB="0"/>
+                </a:tc>
+                <a:tc>
+                  <a:txBody>
+                    <a:bodyPr/>
+                    <a:lstStyle/>
+                    <a:p>
+                      <a:pPr marL="0" marR="0">
+                        <a:lnSpc>
+                          <a:spcPct val="107000"/>
+                        </a:lnSpc>
+                        <a:spcBef>
+                          <a:spcPts val="0"/>
+                        </a:spcBef>
+                        <a:spcAft>
+                          <a:spcPts val="0"/>
+                        </a:spcAft>
+                      </a:pPr>
+                      <a:r>
+                        <a:rPr lang="en-US" sz="1400">
+                          <a:effectLst/>
+                        </a:rPr>
+                        <a:t>11.11% (7/63)</a:t>
+                      </a:r>
+                      <a:endParaRPr lang="en-US" sz="1400">
+                        <a:effectLst/>
+                        <a:latin typeface="Calibri" panose="020F0502020204030204" pitchFamily="34" charset="0"/>
+                        <a:ea typeface="Calibri" panose="020F0502020204030204" pitchFamily="34" charset="0"/>
+                        <a:cs typeface="Times New Roman" panose="02020603050405020304" pitchFamily="18" charset="0"/>
+                      </a:endParaRPr>
+                    </a:p>
+                  </a:txBody>
+                  <a:tcPr marL="84896" marR="84896" marT="0" marB="0"/>
+                </a:tc>
+                <a:tc>
+                  <a:txBody>
+                    <a:bodyPr/>
+                    <a:lstStyle/>
+                    <a:p>
+                      <a:pPr marL="0" marR="0">
+                        <a:lnSpc>
+                          <a:spcPct val="107000"/>
+                        </a:lnSpc>
+                        <a:spcBef>
+                          <a:spcPts val="0"/>
+                        </a:spcBef>
+                        <a:spcAft>
+                          <a:spcPts val="0"/>
+                        </a:spcAft>
+                      </a:pPr>
+                      <a:r>
+                        <a:rPr lang="en-US" sz="1400" dirty="0">
+                          <a:effectLst/>
+                        </a:rPr>
+                        <a:t>42.86% (27/63)</a:t>
+                      </a:r>
+                      <a:endParaRPr lang="en-US" sz="1400" dirty="0">
+                        <a:effectLst/>
+                        <a:latin typeface="Calibri" panose="020F0502020204030204" pitchFamily="34" charset="0"/>
+                        <a:ea typeface="Calibri" panose="020F0502020204030204" pitchFamily="34" charset="0"/>
+                        <a:cs typeface="Times New Roman" panose="02020603050405020304" pitchFamily="18" charset="0"/>
+                      </a:endParaRPr>
+                    </a:p>
+                  </a:txBody>
+                  <a:tcPr marL="84896" marR="84896" marT="0" marB="0"/>
+                </a:tc>
+                <a:extLst>
+                  <a:ext uri="{0D108BD9-81ED-4DB2-BD59-A6C34878D82A}">
+                    <a16:rowId xmlns:a16="http://schemas.microsoft.com/office/drawing/2014/main" val="2134108074"/>
                   </a:ext>
                 </a:extLst>
               </a:tr>
@@ -13468,7 +14149,7 @@
           <a:p>
             <a:r>
               <a:rPr lang="en-US" dirty="0"/>
-              <a:t>SVM’s had high accuracy levels </a:t>
+              <a:t>SVM’s had high accuracy, precision, recall, and f-score levels </a:t>
             </a:r>
           </a:p>
           <a:p>
